--- a/programming_challenge/tasks.vertical.pptx
+++ b/programming_challenge/tasks.vertical.pptx
@@ -6,7 +6,6 @@
   </p:sldMasterIdLst>
   <p:sldIdLst>
     <p:sldId id="257" r:id="rId2"/>
-    <p:sldId id="258" r:id="rId3"/>
   </p:sldIdLst>
   <p:sldSz cx="6858000" cy="9906000" type="A4"/>
   <p:notesSz cx="6858000" cy="9144000"/>
@@ -2993,8 +2992,8 @@
         </p:blipFill>
         <p:spPr>
           <a:xfrm>
-            <a:off x="-5013" y="0"/>
-            <a:ext cx="6877050" cy="9933356"/>
+            <a:off x="212046" y="314434"/>
+            <a:ext cx="6441673" cy="9304488"/>
           </a:xfrm>
           <a:prstGeom prst="rect">
             <a:avLst/>
@@ -3035,8 +3034,8 @@
         </p:blipFill>
         <p:spPr>
           <a:xfrm>
-            <a:off x="2901588" y="1103405"/>
-            <a:ext cx="1014715" cy="1014715"/>
+            <a:off x="2934634" y="1386894"/>
+            <a:ext cx="950475" cy="950475"/>
           </a:xfrm>
           <a:prstGeom prst="rect">
             <a:avLst/>
@@ -3051,8 +3050,8 @@
         </p:nvSpPr>
         <p:spPr>
           <a:xfrm>
-            <a:off x="436404" y="2768778"/>
-            <a:ext cx="5910685" cy="6784296"/>
+            <a:off x="625518" y="2907924"/>
+            <a:ext cx="5536487" cy="6354791"/>
           </a:xfrm>
           <a:prstGeom prst="roundRect">
             <a:avLst/>
@@ -3099,8 +3098,8 @@
         </p:nvSpPr>
         <p:spPr>
           <a:xfrm>
-            <a:off x="575647" y="255233"/>
-            <a:ext cx="5771442" cy="954107"/>
+            <a:off x="755945" y="553509"/>
+            <a:ext cx="5406059" cy="893704"/>
           </a:xfrm>
           <a:prstGeom prst="rect">
             <a:avLst/>
@@ -3132,8 +3131,8 @@
         </p:nvSpPr>
         <p:spPr>
           <a:xfrm>
-            <a:off x="559605" y="1916164"/>
-            <a:ext cx="6268316" cy="707886"/>
+            <a:off x="740919" y="2109288"/>
+            <a:ext cx="5871477" cy="663071"/>
           </a:xfrm>
           <a:prstGeom prst="rect">
             <a:avLst/>
@@ -3162,8 +3161,8 @@
         </p:nvSpPr>
         <p:spPr>
           <a:xfrm>
-            <a:off x="757035" y="1236627"/>
-            <a:ext cx="5408665" cy="523220"/>
+            <a:off x="925850" y="1472772"/>
+            <a:ext cx="5066249" cy="490096"/>
           </a:xfrm>
           <a:prstGeom prst="rect">
             <a:avLst/>
@@ -3197,8 +3196,8 @@
         </p:nvSpPr>
         <p:spPr>
           <a:xfrm>
-            <a:off x="637766" y="3554066"/>
-            <a:ext cx="5729295" cy="5632311"/>
+            <a:off x="814132" y="3643497"/>
+            <a:ext cx="5366581" cy="5275737"/>
           </a:xfrm>
           <a:prstGeom prst="rect">
             <a:avLst/>
@@ -3486,8 +3485,8 @@
         </p:blipFill>
         <p:spPr>
           <a:xfrm>
-            <a:off x="-24897" y="2486549"/>
-            <a:ext cx="6877051" cy="7359817"/>
+            <a:off x="193421" y="2643563"/>
+            <a:ext cx="6441674" cy="6893876"/>
           </a:xfrm>
           <a:prstGeom prst="rect">
             <a:avLst/>
@@ -3502,8 +3501,8 @@
         </p:nvSpPr>
         <p:spPr>
           <a:xfrm>
-            <a:off x="457022" y="2729022"/>
-            <a:ext cx="1720474" cy="523220"/>
+            <a:off x="644830" y="2870685"/>
+            <a:ext cx="1611553" cy="490096"/>
           </a:xfrm>
           <a:prstGeom prst="rect">
             <a:avLst/>
@@ -3545,300 +3544,6 @@
     <p:extLst>
       <p:ext uri="{BB962C8B-B14F-4D97-AF65-F5344CB8AC3E}">
         <p14:creationId xmlns:p14="http://schemas.microsoft.com/office/powerpoint/2010/main" val="1902530582"/>
-      </p:ext>
-    </p:extLst>
-  </p:cSld>
-  <p:clrMapOvr>
-    <a:masterClrMapping/>
-  </p:clrMapOvr>
-</p:sld>
-</file>
-
-<file path=ppt/slides/slide2.xml><?xml version="1.0" encoding="utf-8"?>
-<p:sld xmlns:a="http://schemas.openxmlformats.org/drawingml/2006/main" xmlns:r="http://schemas.openxmlformats.org/officeDocument/2006/relationships" xmlns:p="http://schemas.openxmlformats.org/presentationml/2006/main">
-  <p:cSld>
-    <p:spTree>
-      <p:nvGrpSpPr>
-        <p:cNvPr id="1" name=""/>
-        <p:cNvGrpSpPr/>
-        <p:nvPr/>
-      </p:nvGrpSpPr>
-      <p:grpSpPr>
-        <a:xfrm>
-          <a:off x="0" y="0"/>
-          <a:ext cx="0" cy="0"/>
-          <a:chOff x="0" y="0"/>
-          <a:chExt cx="0" cy="0"/>
-        </a:xfrm>
-      </p:grpSpPr>
-      <p:pic>
-        <p:nvPicPr>
-          <p:cNvPr id="9" name="Picture 8"/>
-          <p:cNvPicPr>
-            <a:picLocks noChangeAspect="1"/>
-          </p:cNvPicPr>
-          <p:nvPr/>
-        </p:nvPicPr>
-        <p:blipFill rotWithShape="1">
-          <a:blip r:embed="rId2">
-            <a:extLst>
-              <a:ext uri="{28A0092B-C50C-407E-A947-70E740481C1C}">
-                <a14:useLocalDpi xmlns:a14="http://schemas.microsoft.com/office/drawing/2010/main" val="0"/>
-              </a:ext>
-            </a:extLst>
-          </a:blip>
-          <a:srcRect l="30123" r="30953"/>
-          <a:stretch/>
-        </p:blipFill>
-        <p:spPr>
-          <a:xfrm>
-            <a:off x="-5013" y="0"/>
-            <a:ext cx="6877050" cy="9933356"/>
-          </a:xfrm>
-          <a:prstGeom prst="rect">
-            <a:avLst/>
-          </a:prstGeom>
-        </p:spPr>
-      </p:pic>
-      <p:pic>
-        <p:nvPicPr>
-          <p:cNvPr id="12" name="Picture 11"/>
-          <p:cNvPicPr>
-            <a:picLocks noChangeAspect="1"/>
-          </p:cNvPicPr>
-          <p:nvPr/>
-        </p:nvPicPr>
-        <p:blipFill>
-          <a:blip r:embed="rId3">
-            <a:extLst>
-              <a:ext uri="{BEBA8EAE-BF5A-486C-A8C5-ECC9F3942E4B}">
-                <a14:imgProps xmlns:a14="http://schemas.microsoft.com/office/drawing/2010/main">
-                  <a14:imgLayer r:embed="rId4">
-                    <a14:imgEffect>
-                      <a14:artisticCrisscrossEtching/>
-                    </a14:imgEffect>
-                    <a14:imgEffect>
-                      <a14:brightnessContrast bright="20000" contrast="-40000"/>
-                    </a14:imgEffect>
-                  </a14:imgLayer>
-                </a14:imgProps>
-              </a:ext>
-              <a:ext uri="{28A0092B-C50C-407E-A947-70E740481C1C}">
-                <a14:useLocalDpi xmlns:a14="http://schemas.microsoft.com/office/drawing/2010/main" val="0"/>
-              </a:ext>
-            </a:extLst>
-          </a:blip>
-          <a:stretch>
-            <a:fillRect/>
-          </a:stretch>
-        </p:blipFill>
-        <p:spPr>
-          <a:xfrm>
-            <a:off x="2901588" y="1182917"/>
-            <a:ext cx="1014715" cy="1014715"/>
-          </a:xfrm>
-          <a:prstGeom prst="rect">
-            <a:avLst/>
-          </a:prstGeom>
-        </p:spPr>
-      </p:pic>
-      <p:sp>
-        <p:nvSpPr>
-          <p:cNvPr id="10" name="Rounded Rectangle 9"/>
-          <p:cNvSpPr/>
-          <p:nvPr/>
-        </p:nvSpPr>
-        <p:spPr>
-          <a:xfrm>
-            <a:off x="256673" y="2768778"/>
-            <a:ext cx="6304547" cy="6784296"/>
-          </a:xfrm>
-          <a:prstGeom prst="roundRect">
-            <a:avLst/>
-          </a:prstGeom>
-          <a:solidFill>
-            <a:schemeClr val="bg1">
-              <a:alpha val="58000"/>
-            </a:schemeClr>
-          </a:solidFill>
-          <a:ln>
-            <a:noFill/>
-          </a:ln>
-        </p:spPr>
-        <p:style>
-          <a:lnRef idx="2">
-            <a:schemeClr val="accent1">
-              <a:shade val="50000"/>
-            </a:schemeClr>
-          </a:lnRef>
-          <a:fillRef idx="1">
-            <a:schemeClr val="accent1"/>
-          </a:fillRef>
-          <a:effectRef idx="0">
-            <a:schemeClr val="accent1"/>
-          </a:effectRef>
-          <a:fontRef idx="minor">
-            <a:schemeClr val="lt1"/>
-          </a:fontRef>
-        </p:style>
-        <p:txBody>
-          <a:bodyPr rtlCol="0" anchor="ctr"/>
-          <a:lstStyle/>
-          <a:p>
-            <a:pPr algn="ctr"/>
-            <a:endParaRPr lang="en-US" sz="701"/>
-          </a:p>
-        </p:txBody>
-      </p:sp>
-      <p:sp>
-        <p:nvSpPr>
-          <p:cNvPr id="4" name="TextBox 3"/>
-          <p:cNvSpPr txBox="1"/>
-          <p:nvPr/>
-        </p:nvSpPr>
-        <p:spPr>
-          <a:xfrm>
-            <a:off x="575647" y="255233"/>
-            <a:ext cx="5771442" cy="954107"/>
-          </a:xfrm>
-          <a:prstGeom prst="rect">
-            <a:avLst/>
-          </a:prstGeom>
-          <a:noFill/>
-        </p:spPr>
-        <p:txBody>
-          <a:bodyPr wrap="square" rtlCol="0">
-            <a:spAutoFit/>
-          </a:bodyPr>
-          <a:lstStyle/>
-          <a:p>
-            <a:pPr algn="ctr"/>
-            <a:r>
-              <a:rPr lang="en-GB" sz="2800" dirty="0">
-                <a:latin typeface="Minecrafter" pitchFamily="2" charset="0"/>
-                <a:cs typeface="Microsoft Tai Le" panose="020B0502040204020203" pitchFamily="34" charset="0"/>
-              </a:rPr>
-              <a:t>10 min programming challenge!</a:t>
-            </a:r>
-          </a:p>
-        </p:txBody>
-      </p:sp>
-      <p:sp>
-        <p:nvSpPr>
-          <p:cNvPr id="6" name="TextBox 5"/>
-          <p:cNvSpPr txBox="1"/>
-          <p:nvPr/>
-        </p:nvSpPr>
-        <p:spPr>
-          <a:xfrm>
-            <a:off x="559605" y="1995676"/>
-            <a:ext cx="6268316" cy="707886"/>
-          </a:xfrm>
-          <a:prstGeom prst="rect">
-            <a:avLst/>
-          </a:prstGeom>
-          <a:noFill/>
-        </p:spPr>
-        <p:txBody>
-          <a:bodyPr wrap="square" rtlCol="0">
-            <a:spAutoFit/>
-          </a:bodyPr>
-          <a:lstStyle/>
-          <a:p>
-            <a:r>
-              <a:rPr lang="en-GB" sz="2000" dirty="0"/>
-              <a:t>How many programming tasks can you complete in 10 minutes? </a:t>
-            </a:r>
-            <a:endParaRPr lang="en-US" sz="2000" dirty="0"/>
-          </a:p>
-        </p:txBody>
-      </p:sp>
-      <p:sp>
-        <p:nvSpPr>
-          <p:cNvPr id="5" name="TextBox 4"/>
-          <p:cNvSpPr txBox="1"/>
-          <p:nvPr/>
-        </p:nvSpPr>
-        <p:spPr>
-          <a:xfrm>
-            <a:off x="757035" y="1236627"/>
-            <a:ext cx="5408665" cy="523220"/>
-          </a:xfrm>
-          <a:prstGeom prst="rect">
-            <a:avLst/>
-          </a:prstGeom>
-          <a:noFill/>
-        </p:spPr>
-        <p:txBody>
-          <a:bodyPr wrap="square" rtlCol="0">
-            <a:spAutoFit/>
-          </a:bodyPr>
-          <a:lstStyle/>
-          <a:p>
-            <a:pPr algn="ctr"/>
-            <a:r>
-              <a:rPr lang="en-GB" sz="2800" dirty="0"/>
-              <a:t>Use Python in </a:t>
-            </a:r>
-            <a:r>
-              <a:rPr lang="en-GB" sz="2800" dirty="0" smtClean="0"/>
-              <a:t>Minecraft!</a:t>
-            </a:r>
-            <a:endParaRPr lang="en-GB" sz="2800" dirty="0"/>
-          </a:p>
-        </p:txBody>
-      </p:sp>
-      <p:sp>
-        <p:nvSpPr>
-          <p:cNvPr id="13" name="TextBox 12"/>
-          <p:cNvSpPr txBox="1"/>
-          <p:nvPr/>
-        </p:nvSpPr>
-        <p:spPr>
-          <a:xfrm>
-            <a:off x="317876" y="2768778"/>
-            <a:ext cx="1720474" cy="523220"/>
-          </a:xfrm>
-          <a:prstGeom prst="rect">
-            <a:avLst/>
-          </a:prstGeom>
-          <a:blipFill>
-            <a:blip r:embed="rId5">
-              <a:alphaModFix amt="49000"/>
-            </a:blip>
-            <a:tile tx="0" ty="0" sx="100000" sy="100000" flip="none" algn="tl"/>
-          </a:blipFill>
-          <a:ln>
-            <a:solidFill>
-              <a:schemeClr val="accent1">
-                <a:shade val="50000"/>
-              </a:schemeClr>
-            </a:solidFill>
-          </a:ln>
-        </p:spPr>
-        <p:txBody>
-          <a:bodyPr wrap="square" rtlCol="0">
-            <a:spAutoFit/>
-          </a:bodyPr>
-          <a:lstStyle/>
-          <a:p>
-            <a:pPr algn="ctr"/>
-            <a:r>
-              <a:rPr lang="en-GB" sz="2800" dirty="0" smtClean="0">
-                <a:latin typeface="Minecrafter" pitchFamily="2" charset="0"/>
-              </a:rPr>
-              <a:t>TASK 2</a:t>
-            </a:r>
-            <a:endParaRPr lang="en-GB" sz="2800" dirty="0">
-              <a:latin typeface="Minecrafter" pitchFamily="2" charset="0"/>
-            </a:endParaRPr>
-          </a:p>
-        </p:txBody>
-      </p:sp>
-    </p:spTree>
-    <p:extLst>
-      <p:ext uri="{BB962C8B-B14F-4D97-AF65-F5344CB8AC3E}">
-        <p14:creationId xmlns:p14="http://schemas.microsoft.com/office/powerpoint/2010/main" val="2708658808"/>
       </p:ext>
     </p:extLst>
   </p:cSld>
